--- a/translations/en-us/fll/AboutFLL.pptx
+++ b/translations/en-us/fll/AboutFLL.pptx
@@ -205,7 +205,7 @@
           <a:p>
             <a:fld id="{6C3EB69D-56FD-B940-858E-C0B0567DEAD7}" type="datetimeFigureOut">
               <a:rPr lang="en-US" smtClean="0"/>
-              <a:t>7/25/17</a:t>
+              <a:t>9/27/17</a:t>
             </a:fld>
             <a:endParaRPr lang="en-US"/>
           </a:p>
@@ -688,7 +688,7 @@
           <a:p>
             <a:fld id="{3952960A-E554-A346-9828-795EA0E7B1D6}" type="datetime1">
               <a:rPr lang="en-US" smtClean="0"/>
-              <a:t>7/25/17</a:t>
+              <a:t>9/27/17</a:t>
             </a:fld>
             <a:endParaRPr lang="en-US"/>
           </a:p>
@@ -858,7 +858,7 @@
           <a:p>
             <a:fld id="{66EE937B-1BE4-A346-A520-4B75E366E12B}" type="datetime1">
               <a:rPr lang="en-US" smtClean="0"/>
-              <a:t>7/25/17</a:t>
+              <a:t>9/27/17</a:t>
             </a:fld>
             <a:endParaRPr lang="en-US"/>
           </a:p>
@@ -1038,7 +1038,7 @@
           <a:p>
             <a:fld id="{3BF5190D-3832-BE47-8EC0-77E2640E7E53}" type="datetime1">
               <a:rPr lang="en-US" smtClean="0"/>
-              <a:t>7/25/17</a:t>
+              <a:t>9/27/17</a:t>
             </a:fld>
             <a:endParaRPr lang="en-US"/>
           </a:p>
@@ -1213,7 +1213,7 @@
           <a:p>
             <a:fld id="{65684974-4E7E-3643-8872-D073F61491FB}" type="datetime1">
               <a:rPr lang="en-US" smtClean="0"/>
-              <a:t>7/25/17</a:t>
+              <a:t>9/27/17</a:t>
             </a:fld>
             <a:endParaRPr lang="en-US"/>
           </a:p>
@@ -1457,7 +1457,7 @@
           <a:p>
             <a:fld id="{844A2058-6E81-4E4B-A005-7F0B9B2338B4}" type="datetime1">
               <a:rPr lang="en-US" smtClean="0"/>
-              <a:t>7/25/17</a:t>
+              <a:t>9/27/17</a:t>
             </a:fld>
             <a:endParaRPr lang="en-US"/>
           </a:p>
@@ -1689,7 +1689,7 @@
           <a:p>
             <a:fld id="{21580143-134D-9942-9B32-01CB3FBD4E68}" type="datetime1">
               <a:rPr lang="en-US" smtClean="0"/>
-              <a:t>7/25/17</a:t>
+              <a:t>9/27/17</a:t>
             </a:fld>
             <a:endParaRPr lang="en-US"/>
           </a:p>
@@ -2056,7 +2056,7 @@
           <a:p>
             <a:fld id="{A1B8A7BE-6E7B-5F4B-80B9-F6F137A91CFE}" type="datetime1">
               <a:rPr lang="en-US" smtClean="0"/>
-              <a:t>7/25/17</a:t>
+              <a:t>9/27/17</a:t>
             </a:fld>
             <a:endParaRPr lang="en-US"/>
           </a:p>
@@ -2174,7 +2174,7 @@
           <a:p>
             <a:fld id="{471CD273-268D-2A41-81FF-69786112199E}" type="datetime1">
               <a:rPr lang="en-US" smtClean="0"/>
-              <a:t>7/25/17</a:t>
+              <a:t>9/27/17</a:t>
             </a:fld>
             <a:endParaRPr lang="en-US"/>
           </a:p>
@@ -2269,7 +2269,7 @@
           <a:p>
             <a:fld id="{3067256E-511A-4742-ADE9-A5FD5C44117C}" type="datetime1">
               <a:rPr lang="en-US" smtClean="0"/>
-              <a:t>7/25/17</a:t>
+              <a:t>9/27/17</a:t>
             </a:fld>
             <a:endParaRPr lang="en-US"/>
           </a:p>
@@ -2546,7 +2546,7 @@
           <a:p>
             <a:fld id="{C1D6E9F1-0DEE-4F4F-85D6-498AD9A366F5}" type="datetime1">
               <a:rPr lang="en-US" smtClean="0"/>
-              <a:t>7/25/17</a:t>
+              <a:t>9/27/17</a:t>
             </a:fld>
             <a:endParaRPr lang="en-US"/>
           </a:p>
@@ -2803,7 +2803,7 @@
           <a:p>
             <a:fld id="{5CB42412-C5AB-104D-A902-7E42A6A5A092}" type="datetime1">
               <a:rPr lang="en-US" smtClean="0"/>
-              <a:t>7/25/17</a:t>
+              <a:t>9/27/17</a:t>
             </a:fld>
             <a:endParaRPr lang="en-US"/>
           </a:p>
@@ -3016,7 +3016,7 @@
           <a:p>
             <a:fld id="{1DF15A24-8F15-C347-993E-C3C693520288}" type="datetime1">
               <a:rPr lang="en-US" smtClean="0"/>
-              <a:t>7/25/17</a:t>
+              <a:t>9/27/17</a:t>
             </a:fld>
             <a:endParaRPr lang="en-US"/>
           </a:p>
@@ -3737,7 +3737,19 @@
           <a:p>
             <a:r>
               <a:rPr lang="en-US" sz="2400" dirty="0" smtClean="0"/>
-              <a:t>Runs approximately from September – December (or longer if you qualify for Sate and International-level Championships)</a:t>
+              <a:t>Runs approximately from September – December (or longer if you qualify </a:t>
+            </a:r>
+            <a:r>
+              <a:rPr lang="en-US" sz="2400" smtClean="0"/>
+              <a:t>for </a:t>
+            </a:r>
+            <a:r>
+              <a:rPr lang="en-US" sz="2400" smtClean="0"/>
+              <a:t>State </a:t>
+            </a:r>
+            <a:r>
+              <a:rPr lang="en-US" sz="2400" dirty="0" smtClean="0"/>
+              <a:t>and International-level Championships)</a:t>
             </a:r>
             <a:endParaRPr lang="en-US" sz="2400" dirty="0"/>
           </a:p>
@@ -4710,7 +4722,6 @@
               <a:rPr lang="en-US" sz="2000" dirty="0" smtClean="0"/>
               <a:t>/core-values)</a:t>
             </a:r>
-            <a:endParaRPr lang="en-US" sz="2000" dirty="0" smtClean="0"/>
           </a:p>
         </p:txBody>
       </p:sp>
